--- a/img/timeline.pptx
+++ b/img/timeline.pptx
@@ -5320,8 +5320,8 @@
           </a:fontRef>
         </p:style>
       </p:cxnSp>
-      <mc:AlternateContent xmlns:mc="http://schemas.openxmlformats.org/markup-compatibility/2006">
-        <mc:Choice xmlns:a14="http://schemas.microsoft.com/office/drawing/2010/main" Requires="a14">
+      <mc:AlternateContent xmlns:mc="http://schemas.openxmlformats.org/markup-compatibility/2006" xmlns:a14="http://schemas.microsoft.com/office/drawing/2010/main">
+        <mc:Choice Requires="a14">
           <p:sp>
             <p:nvSpPr>
               <p:cNvPr id="56" name="TextBox 55">
@@ -5350,6 +5350,7 @@
               </a:bodyPr>
               <a:lstStyle/>
               <a:p>
+                <a:pPr/>
                 <a14:m>
                   <m:oMathPara xmlns:m="http://schemas.openxmlformats.org/officeDocument/2006/math">
                     <m:oMathParaPr>
@@ -5370,7 +5371,7 @@
             </p:txBody>
           </p:sp>
         </mc:Choice>
-        <mc:Fallback>
+        <mc:Fallback xmlns="">
           <p:sp>
             <p:nvSpPr>
               <p:cNvPr id="56" name="TextBox 55">
@@ -8529,8 +8530,8 @@
           </p:sp>
         </mc:Fallback>
       </mc:AlternateContent>
-      <mc:AlternateContent xmlns:mc="http://schemas.openxmlformats.org/markup-compatibility/2006">
-        <mc:Choice xmlns:a14="http://schemas.microsoft.com/office/drawing/2010/main" Requires="a14">
+      <mc:AlternateContent xmlns:mc="http://schemas.openxmlformats.org/markup-compatibility/2006" xmlns:a14="http://schemas.microsoft.com/office/drawing/2010/main">
+        <mc:Choice Requires="a14">
           <p:sp>
             <p:nvSpPr>
               <p:cNvPr id="38" name="TextBox 37">
@@ -8615,7 +8616,7 @@
             </p:txBody>
           </p:sp>
         </mc:Choice>
-        <mc:Fallback>
+        <mc:Fallback xmlns="">
           <p:sp>
             <p:nvSpPr>
               <p:cNvPr id="38" name="TextBox 37">
@@ -8660,8 +8661,8 @@
           </p:sp>
         </mc:Fallback>
       </mc:AlternateContent>
-      <mc:AlternateContent xmlns:mc="http://schemas.openxmlformats.org/markup-compatibility/2006">
-        <mc:Choice xmlns:a14="http://schemas.microsoft.com/office/drawing/2010/main" Requires="a14">
+      <mc:AlternateContent xmlns:mc="http://schemas.openxmlformats.org/markup-compatibility/2006" xmlns:a14="http://schemas.microsoft.com/office/drawing/2010/main">
+        <mc:Choice Requires="a14">
           <p:sp>
             <p:nvSpPr>
               <p:cNvPr id="2" name="TextBox 1">
@@ -8746,7 +8747,7 @@
             </p:txBody>
           </p:sp>
         </mc:Choice>
-        <mc:Fallback>
+        <mc:Fallback xmlns="">
           <p:sp>
             <p:nvSpPr>
               <p:cNvPr id="2" name="TextBox 1">
@@ -9628,8 +9629,8 @@
           </a:fontRef>
         </p:style>
       </p:cxnSp>
-      <mc:AlternateContent xmlns:mc="http://schemas.openxmlformats.org/markup-compatibility/2006">
-        <mc:Choice xmlns:a14="http://schemas.microsoft.com/office/drawing/2010/main" Requires="a14">
+      <mc:AlternateContent xmlns:mc="http://schemas.openxmlformats.org/markup-compatibility/2006" xmlns:a14="http://schemas.microsoft.com/office/drawing/2010/main">
+        <mc:Choice Requires="a14">
           <p:sp>
             <p:nvSpPr>
               <p:cNvPr id="170" name="TextBox 169">
@@ -9776,7 +9777,7 @@
             </p:txBody>
           </p:sp>
         </mc:Choice>
-        <mc:Fallback>
+        <mc:Fallback xmlns="">
           <p:sp>
             <p:nvSpPr>
               <p:cNvPr id="170" name="TextBox 169">
@@ -10922,8 +10923,8 @@
           </a:fontRef>
         </p:style>
       </p:cxnSp>
-      <mc:AlternateContent xmlns:mc="http://schemas.openxmlformats.org/markup-compatibility/2006">
-        <mc:Choice xmlns:a14="http://schemas.microsoft.com/office/drawing/2010/main" Requires="a14">
+      <mc:AlternateContent xmlns:mc="http://schemas.openxmlformats.org/markup-compatibility/2006" xmlns:a14="http://schemas.microsoft.com/office/drawing/2010/main">
+        <mc:Choice Requires="a14">
           <p:sp>
             <p:nvSpPr>
               <p:cNvPr id="215" name="TextBox 214">
@@ -11094,7 +11095,7 @@
             </p:txBody>
           </p:sp>
         </mc:Choice>
-        <mc:Fallback>
+        <mc:Fallback xmlns="">
           <p:sp>
             <p:nvSpPr>
               <p:cNvPr id="215" name="TextBox 214">
@@ -11139,8 +11140,8 @@
           </p:sp>
         </mc:Fallback>
       </mc:AlternateContent>
-      <mc:AlternateContent xmlns:mc="http://schemas.openxmlformats.org/markup-compatibility/2006">
-        <mc:Choice xmlns:a14="http://schemas.microsoft.com/office/drawing/2010/main" Requires="a14">
+      <mc:AlternateContent xmlns:mc="http://schemas.openxmlformats.org/markup-compatibility/2006" xmlns:a14="http://schemas.microsoft.com/office/drawing/2010/main">
+        <mc:Choice Requires="a14">
           <p:sp>
             <p:nvSpPr>
               <p:cNvPr id="216" name="TextBox 215">
@@ -11287,7 +11288,7 @@
             </p:txBody>
           </p:sp>
         </mc:Choice>
-        <mc:Fallback>
+        <mc:Fallback xmlns="">
           <p:sp>
             <p:nvSpPr>
               <p:cNvPr id="216" name="TextBox 215">
@@ -11420,8 +11421,8 @@
           </a:fontRef>
         </p:style>
       </p:cxnSp>
-      <mc:AlternateContent xmlns:mc="http://schemas.openxmlformats.org/markup-compatibility/2006">
-        <mc:Choice xmlns:a14="http://schemas.microsoft.com/office/drawing/2010/main" Requires="a14">
+      <mc:AlternateContent xmlns:mc="http://schemas.openxmlformats.org/markup-compatibility/2006" xmlns:a14="http://schemas.microsoft.com/office/drawing/2010/main">
+        <mc:Choice Requires="a14">
           <p:sp>
             <p:nvSpPr>
               <p:cNvPr id="231" name="TextBox 230">
@@ -11450,7 +11451,6 @@
               </a:bodyPr>
               <a:lstStyle/>
               <a:p>
-                <a:pPr/>
                 <a14:m>
                   <m:oMath xmlns:m="http://schemas.openxmlformats.org/officeDocument/2006/math">
                     <m:sSub>
@@ -11582,7 +11582,7 @@
             </p:txBody>
           </p:sp>
         </mc:Choice>
-        <mc:Fallback>
+        <mc:Fallback xmlns="">
           <p:sp>
             <p:nvSpPr>
               <p:cNvPr id="231" name="TextBox 230">
@@ -13019,7 +13019,7 @@
         <p:spPr>
           <a:xfrm>
             <a:off x="1422561" y="764142"/>
-            <a:ext cx="627964" cy="235984"/>
+            <a:ext cx="470801" cy="235984"/>
           </a:xfrm>
           <a:prstGeom prst="roundRect">
             <a:avLst/>

--- a/img/timeline.pptx
+++ b/img/timeline.pptx
@@ -206,7 +206,7 @@
           <a:p>
             <a:fld id="{6B5248A3-7AFA-42A8-AC66-C1BC58F224A4}" type="datetimeFigureOut">
               <a:rPr lang="en-US" smtClean="0"/>
-              <a:t>3/16/2023</a:t>
+              <a:t>6/26/2023</a:t>
             </a:fld>
             <a:endParaRPr lang="en-US"/>
           </a:p>
@@ -796,7 +796,7 @@
           <a:p>
             <a:fld id="{E6166748-0AE2-4D20-A689-6CDC951126A8}" type="datetimeFigureOut">
               <a:rPr lang="en-DE" smtClean="0"/>
-              <a:t>16/03/2023</a:t>
+              <a:t>26/06/2023</a:t>
             </a:fld>
             <a:endParaRPr lang="en-DE"/>
           </a:p>
@@ -966,7 +966,7 @@
           <a:p>
             <a:fld id="{E6166748-0AE2-4D20-A689-6CDC951126A8}" type="datetimeFigureOut">
               <a:rPr lang="en-DE" smtClean="0"/>
-              <a:t>16/03/2023</a:t>
+              <a:t>26/06/2023</a:t>
             </a:fld>
             <a:endParaRPr lang="en-DE"/>
           </a:p>
@@ -1146,7 +1146,7 @@
           <a:p>
             <a:fld id="{E6166748-0AE2-4D20-A689-6CDC951126A8}" type="datetimeFigureOut">
               <a:rPr lang="en-DE" smtClean="0"/>
-              <a:t>16/03/2023</a:t>
+              <a:t>26/06/2023</a:t>
             </a:fld>
             <a:endParaRPr lang="en-DE"/>
           </a:p>
@@ -1316,7 +1316,7 @@
           <a:p>
             <a:fld id="{E6166748-0AE2-4D20-A689-6CDC951126A8}" type="datetimeFigureOut">
               <a:rPr lang="en-DE" smtClean="0"/>
-              <a:t>16/03/2023</a:t>
+              <a:t>26/06/2023</a:t>
             </a:fld>
             <a:endParaRPr lang="en-DE"/>
           </a:p>
@@ -1578,7 +1578,7 @@
           <a:p>
             <a:fld id="{E6166748-0AE2-4D20-A689-6CDC951126A8}" type="datetimeFigureOut">
               <a:rPr lang="en-DE" smtClean="0"/>
-              <a:t>16/03/2023</a:t>
+              <a:t>26/06/2023</a:t>
             </a:fld>
             <a:endParaRPr lang="en-DE"/>
           </a:p>
@@ -1810,7 +1810,7 @@
           <a:p>
             <a:fld id="{E6166748-0AE2-4D20-A689-6CDC951126A8}" type="datetimeFigureOut">
               <a:rPr lang="en-DE" smtClean="0"/>
-              <a:t>16/03/2023</a:t>
+              <a:t>26/06/2023</a:t>
             </a:fld>
             <a:endParaRPr lang="en-DE"/>
           </a:p>
@@ -2177,7 +2177,7 @@
           <a:p>
             <a:fld id="{E6166748-0AE2-4D20-A689-6CDC951126A8}" type="datetimeFigureOut">
               <a:rPr lang="en-DE" smtClean="0"/>
-              <a:t>16/03/2023</a:t>
+              <a:t>26/06/2023</a:t>
             </a:fld>
             <a:endParaRPr lang="en-DE"/>
           </a:p>
@@ -2295,7 +2295,7 @@
           <a:p>
             <a:fld id="{E6166748-0AE2-4D20-A689-6CDC951126A8}" type="datetimeFigureOut">
               <a:rPr lang="en-DE" smtClean="0"/>
-              <a:t>16/03/2023</a:t>
+              <a:t>26/06/2023</a:t>
             </a:fld>
             <a:endParaRPr lang="en-DE"/>
           </a:p>
@@ -2390,7 +2390,7 @@
           <a:p>
             <a:fld id="{E6166748-0AE2-4D20-A689-6CDC951126A8}" type="datetimeFigureOut">
               <a:rPr lang="en-DE" smtClean="0"/>
-              <a:t>16/03/2023</a:t>
+              <a:t>26/06/2023</a:t>
             </a:fld>
             <a:endParaRPr lang="en-DE"/>
           </a:p>
@@ -2667,7 +2667,7 @@
           <a:p>
             <a:fld id="{E6166748-0AE2-4D20-A689-6CDC951126A8}" type="datetimeFigureOut">
               <a:rPr lang="en-DE" smtClean="0"/>
-              <a:t>16/03/2023</a:t>
+              <a:t>26/06/2023</a:t>
             </a:fld>
             <a:endParaRPr lang="en-DE"/>
           </a:p>
@@ -2924,7 +2924,7 @@
           <a:p>
             <a:fld id="{E6166748-0AE2-4D20-A689-6CDC951126A8}" type="datetimeFigureOut">
               <a:rPr lang="en-DE" smtClean="0"/>
-              <a:t>16/03/2023</a:t>
+              <a:t>26/06/2023</a:t>
             </a:fld>
             <a:endParaRPr lang="en-DE"/>
           </a:p>
@@ -3137,7 +3137,7 @@
           <a:p>
             <a:fld id="{E6166748-0AE2-4D20-A689-6CDC951126A8}" type="datetimeFigureOut">
               <a:rPr lang="en-DE" smtClean="0"/>
-              <a:t>16/03/2023</a:t>
+              <a:t>26/06/2023</a:t>
             </a:fld>
             <a:endParaRPr lang="en-DE"/>
           </a:p>
@@ -4261,7 +4261,7 @@
                 <a:latin typeface="Times New Roman" panose="02020603050405020304" pitchFamily="18" charset="0"/>
                 <a:cs typeface="Times New Roman" panose="02020603050405020304" pitchFamily="18" charset="0"/>
               </a:rPr>
-              <a:t>FN or delayed TP?</a:t>
+              <a:t>FN and/or delayed TP?</a:t>
             </a:r>
           </a:p>
         </p:txBody>

--- a/img/timeline.pptx
+++ b/img/timeline.pptx
@@ -206,7 +206,7 @@
           <a:p>
             <a:fld id="{6B5248A3-7AFA-42A8-AC66-C1BC58F224A4}" type="datetimeFigureOut">
               <a:rPr lang="en-US" smtClean="0"/>
-              <a:t>6/26/2023</a:t>
+              <a:t>6/10/2024</a:t>
             </a:fld>
             <a:endParaRPr lang="en-US"/>
           </a:p>
@@ -541,31 +541,7 @@
                 <a:latin typeface="Times New Roman" panose="02020603050405020304" pitchFamily="18" charset="0"/>
                 <a:cs typeface="Times New Roman" panose="02020603050405020304" pitchFamily="18" charset="0"/>
               </a:rPr>
-              <a:t>Extrapolate </a:t>
-            </a:r>
-            <a:r>
-              <a:rPr lang="en-US" sz="700" dirty="0" err="1">
-                <a:solidFill>
-                  <a:schemeClr val="accent5">
-                    <a:lumMod val="50000"/>
-                  </a:schemeClr>
-                </a:solidFill>
-                <a:latin typeface="Times New Roman" panose="02020603050405020304" pitchFamily="18" charset="0"/>
-                <a:cs typeface="Times New Roman" panose="02020603050405020304" pitchFamily="18" charset="0"/>
-              </a:rPr>
-              <a:t>OuT</a:t>
-            </a:r>
-            <a:r>
-              <a:rPr lang="en-US" sz="700" dirty="0">
-                <a:solidFill>
-                  <a:schemeClr val="accent5">
-                    <a:lumMod val="50000"/>
-                  </a:schemeClr>
-                </a:solidFill>
-                <a:latin typeface="Times New Roman" panose="02020603050405020304" pitchFamily="18" charset="0"/>
-                <a:cs typeface="Times New Roman" panose="02020603050405020304" pitchFamily="18" charset="0"/>
-              </a:rPr>
-              <a:t>?</a:t>
+              <a:t>Extrapolate SUT?</a:t>
             </a:r>
           </a:p>
           <a:p>
@@ -796,7 +772,7 @@
           <a:p>
             <a:fld id="{E6166748-0AE2-4D20-A689-6CDC951126A8}" type="datetimeFigureOut">
               <a:rPr lang="en-DE" smtClean="0"/>
-              <a:t>26/06/2023</a:t>
+              <a:t>10/06/2024</a:t>
             </a:fld>
             <a:endParaRPr lang="en-DE"/>
           </a:p>
@@ -966,7 +942,7 @@
           <a:p>
             <a:fld id="{E6166748-0AE2-4D20-A689-6CDC951126A8}" type="datetimeFigureOut">
               <a:rPr lang="en-DE" smtClean="0"/>
-              <a:t>26/06/2023</a:t>
+              <a:t>10/06/2024</a:t>
             </a:fld>
             <a:endParaRPr lang="en-DE"/>
           </a:p>
@@ -1146,7 +1122,7 @@
           <a:p>
             <a:fld id="{E6166748-0AE2-4D20-A689-6CDC951126A8}" type="datetimeFigureOut">
               <a:rPr lang="en-DE" smtClean="0"/>
-              <a:t>26/06/2023</a:t>
+              <a:t>10/06/2024</a:t>
             </a:fld>
             <a:endParaRPr lang="en-DE"/>
           </a:p>
@@ -1316,7 +1292,7 @@
           <a:p>
             <a:fld id="{E6166748-0AE2-4D20-A689-6CDC951126A8}" type="datetimeFigureOut">
               <a:rPr lang="en-DE" smtClean="0"/>
-              <a:t>26/06/2023</a:t>
+              <a:t>10/06/2024</a:t>
             </a:fld>
             <a:endParaRPr lang="en-DE"/>
           </a:p>
@@ -1578,7 +1554,7 @@
           <a:p>
             <a:fld id="{E6166748-0AE2-4D20-A689-6CDC951126A8}" type="datetimeFigureOut">
               <a:rPr lang="en-DE" smtClean="0"/>
-              <a:t>26/06/2023</a:t>
+              <a:t>10/06/2024</a:t>
             </a:fld>
             <a:endParaRPr lang="en-DE"/>
           </a:p>
@@ -1810,7 +1786,7 @@
           <a:p>
             <a:fld id="{E6166748-0AE2-4D20-A689-6CDC951126A8}" type="datetimeFigureOut">
               <a:rPr lang="en-DE" smtClean="0"/>
-              <a:t>26/06/2023</a:t>
+              <a:t>10/06/2024</a:t>
             </a:fld>
             <a:endParaRPr lang="en-DE"/>
           </a:p>
@@ -2177,7 +2153,7 @@
           <a:p>
             <a:fld id="{E6166748-0AE2-4D20-A689-6CDC951126A8}" type="datetimeFigureOut">
               <a:rPr lang="en-DE" smtClean="0"/>
-              <a:t>26/06/2023</a:t>
+              <a:t>10/06/2024</a:t>
             </a:fld>
             <a:endParaRPr lang="en-DE"/>
           </a:p>
@@ -2295,7 +2271,7 @@
           <a:p>
             <a:fld id="{E6166748-0AE2-4D20-A689-6CDC951126A8}" type="datetimeFigureOut">
               <a:rPr lang="en-DE" smtClean="0"/>
-              <a:t>26/06/2023</a:t>
+              <a:t>10/06/2024</a:t>
             </a:fld>
             <a:endParaRPr lang="en-DE"/>
           </a:p>
@@ -2390,7 +2366,7 @@
           <a:p>
             <a:fld id="{E6166748-0AE2-4D20-A689-6CDC951126A8}" type="datetimeFigureOut">
               <a:rPr lang="en-DE" smtClean="0"/>
-              <a:t>26/06/2023</a:t>
+              <a:t>10/06/2024</a:t>
             </a:fld>
             <a:endParaRPr lang="en-DE"/>
           </a:p>
@@ -2667,7 +2643,7 @@
           <a:p>
             <a:fld id="{E6166748-0AE2-4D20-A689-6CDC951126A8}" type="datetimeFigureOut">
               <a:rPr lang="en-DE" smtClean="0"/>
-              <a:t>26/06/2023</a:t>
+              <a:t>10/06/2024</a:t>
             </a:fld>
             <a:endParaRPr lang="en-DE"/>
           </a:p>
@@ -2924,7 +2900,7 @@
           <a:p>
             <a:fld id="{E6166748-0AE2-4D20-A689-6CDC951126A8}" type="datetimeFigureOut">
               <a:rPr lang="en-DE" smtClean="0"/>
-              <a:t>26/06/2023</a:t>
+              <a:t>10/06/2024</a:t>
             </a:fld>
             <a:endParaRPr lang="en-DE"/>
           </a:p>
@@ -3137,7 +3113,7 @@
           <a:p>
             <a:fld id="{E6166748-0AE2-4D20-A689-6CDC951126A8}" type="datetimeFigureOut">
               <a:rPr lang="en-DE" smtClean="0"/>
-              <a:t>26/06/2023</a:t>
+              <a:t>10/06/2024</a:t>
             </a:fld>
             <a:endParaRPr lang="en-DE"/>
           </a:p>
@@ -5827,7 +5803,7 @@
                 <a:latin typeface="Times New Roman" panose="02020603050405020304" pitchFamily="18" charset="0"/>
                 <a:cs typeface="Times New Roman" panose="02020603050405020304" pitchFamily="18" charset="0"/>
               </a:rPr>
-              <a:t>OuT_b1</a:t>
+              <a:t>SUT_b1</a:t>
             </a:r>
             <a:endParaRPr lang="en-US" sz="800" dirty="0">
               <a:solidFill>
@@ -5873,7 +5849,7 @@
                 <a:latin typeface="Times New Roman" panose="02020603050405020304" pitchFamily="18" charset="0"/>
                 <a:cs typeface="Times New Roman" panose="02020603050405020304" pitchFamily="18" charset="0"/>
               </a:rPr>
-              <a:t>OuT_b2</a:t>
+              <a:t>SUT_b2</a:t>
             </a:r>
             <a:endParaRPr lang="en-US" sz="800" dirty="0">
               <a:solidFill>
@@ -6480,7 +6456,7 @@
                   </a:schemeClr>
                 </a:solidFill>
               </a:rPr>
-              <a:t>OuT_b2</a:t>
+              <a:t>SUT_b2</a:t>
             </a:r>
           </a:p>
         </p:txBody>
@@ -6521,7 +6497,7 @@
                 <a:latin typeface="Times New Roman" panose="02020603050405020304" pitchFamily="18" charset="0"/>
                 <a:cs typeface="Times New Roman" panose="02020603050405020304" pitchFamily="18" charset="0"/>
               </a:rPr>
-              <a:t>OuT_c</a:t>
+              <a:t>SUT_c</a:t>
             </a:r>
             <a:endParaRPr lang="en-US" sz="800" dirty="0">
               <a:solidFill>
@@ -8530,8 +8506,8 @@
           </p:sp>
         </mc:Fallback>
       </mc:AlternateContent>
-      <mc:AlternateContent xmlns:mc="http://schemas.openxmlformats.org/markup-compatibility/2006" xmlns:a14="http://schemas.microsoft.com/office/drawing/2010/main">
-        <mc:Choice Requires="a14">
+      <mc:AlternateContent xmlns:mc="http://schemas.openxmlformats.org/markup-compatibility/2006">
+        <mc:Choice xmlns:a14="http://schemas.microsoft.com/office/drawing/2010/main" Requires="a14">
           <p:sp>
             <p:nvSpPr>
               <p:cNvPr id="38" name="TextBox 37">
@@ -8594,13 +8570,13 @@
                             <m:rPr>
                               <m:sty m:val="p"/>
                             </m:rPr>
-                            <a:rPr lang="en-GB" sz="1000" b="0" i="0" smtClean="0">
+                            <a:rPr lang="en-GB" sz="1000" b="0" i="1" smtClean="0">
                               <a:solidFill>
                                 <a:schemeClr val="tx1"/>
                               </a:solidFill>
                               <a:latin typeface="Cambria Math" panose="02040503050406030204" pitchFamily="18" charset="0"/>
                             </a:rPr>
-                            <m:t>OuT</m:t>
+                            <m:t>SUT</m:t>
                           </m:r>
                         </m:sub>
                       </m:sSub>
@@ -8616,7 +8592,7 @@
             </p:txBody>
           </p:sp>
         </mc:Choice>
-        <mc:Fallback xmlns="">
+        <mc:Fallback>
           <p:sp>
             <p:nvSpPr>
               <p:cNvPr id="38" name="TextBox 37">
@@ -9629,8 +9605,8 @@
           </a:fontRef>
         </p:style>
       </p:cxnSp>
-      <mc:AlternateContent xmlns:mc="http://schemas.openxmlformats.org/markup-compatibility/2006" xmlns:a14="http://schemas.microsoft.com/office/drawing/2010/main">
-        <mc:Choice Requires="a14">
+      <mc:AlternateContent xmlns:mc="http://schemas.openxmlformats.org/markup-compatibility/2006">
+        <mc:Choice xmlns:a14="http://schemas.microsoft.com/office/drawing/2010/main" Requires="a14">
           <p:sp>
             <p:nvSpPr>
               <p:cNvPr id="170" name="TextBox 169">
@@ -9693,13 +9669,13 @@
                             <m:rPr>
                               <m:sty m:val="p"/>
                             </m:rPr>
-                            <a:rPr lang="en-GB" sz="1000" b="0" i="0" smtClean="0">
+                            <a:rPr lang="en-GB" sz="1000" b="0" i="1" smtClean="0">
                               <a:solidFill>
                                 <a:schemeClr val="tx1"/>
                               </a:solidFill>
                               <a:latin typeface="Cambria Math" panose="02040503050406030204" pitchFamily="18" charset="0"/>
                             </a:rPr>
-                            <m:t>OuT</m:t>
+                            <m:t>SUT</m:t>
                           </m:r>
                         </m:sub>
                       </m:sSub>
@@ -9777,7 +9753,7 @@
             </p:txBody>
           </p:sp>
         </mc:Choice>
-        <mc:Fallback xmlns="">
+        <mc:Fallback>
           <p:sp>
             <p:nvSpPr>
               <p:cNvPr id="170" name="TextBox 169">
@@ -9803,7 +9779,7 @@
               <a:blipFill>
                 <a:blip r:embed="rId8"/>
                 <a:stretch>
-                  <a:fillRect r="-10714"/>
+                  <a:fillRect l="-1786"/>
                 </a:stretch>
               </a:blipFill>
             </p:spPr>
@@ -10923,8 +10899,8 @@
           </a:fontRef>
         </p:style>
       </p:cxnSp>
-      <mc:AlternateContent xmlns:mc="http://schemas.openxmlformats.org/markup-compatibility/2006" xmlns:a14="http://schemas.microsoft.com/office/drawing/2010/main">
-        <mc:Choice Requires="a14">
+      <mc:AlternateContent xmlns:mc="http://schemas.openxmlformats.org/markup-compatibility/2006">
+        <mc:Choice xmlns:a14="http://schemas.microsoft.com/office/drawing/2010/main" Requires="a14">
           <p:sp>
             <p:nvSpPr>
               <p:cNvPr id="215" name="TextBox 214">
@@ -10991,13 +10967,13 @@
                           <m:rPr>
                             <m:sty m:val="p"/>
                           </m:rPr>
-                          <a:rPr lang="en-GB" sz="1000" b="0" i="0" smtClean="0">
+                          <a:rPr lang="en-GB" sz="1000" b="0" i="1" smtClean="0">
                             <a:solidFill>
                               <a:schemeClr val="tx1"/>
                             </a:solidFill>
                             <a:latin typeface="Cambria Math" panose="02040503050406030204" pitchFamily="18" charset="0"/>
                           </a:rPr>
-                          <m:t>OuT</m:t>
+                          <m:t>SUT</m:t>
                         </m:r>
                         <m:r>
                           <a:rPr lang="en-GB" sz="1000" b="0" i="1" smtClean="0">
@@ -11095,7 +11071,7 @@
             </p:txBody>
           </p:sp>
         </mc:Choice>
-        <mc:Fallback xmlns="">
+        <mc:Fallback>
           <p:sp>
             <p:nvSpPr>
               <p:cNvPr id="215" name="TextBox 214">
@@ -11140,8 +11116,8 @@
           </p:sp>
         </mc:Fallback>
       </mc:AlternateContent>
-      <mc:AlternateContent xmlns:mc="http://schemas.openxmlformats.org/markup-compatibility/2006" xmlns:a14="http://schemas.microsoft.com/office/drawing/2010/main">
-        <mc:Choice Requires="a14">
+      <mc:AlternateContent xmlns:mc="http://schemas.openxmlformats.org/markup-compatibility/2006">
+        <mc:Choice xmlns:a14="http://schemas.microsoft.com/office/drawing/2010/main" Requires="a14">
           <p:sp>
             <p:nvSpPr>
               <p:cNvPr id="216" name="TextBox 215">
@@ -11204,13 +11180,13 @@
                             <m:rPr>
                               <m:sty m:val="p"/>
                             </m:rPr>
-                            <a:rPr lang="en-GB" sz="1000" b="0" i="0" smtClean="0">
+                            <a:rPr lang="en-GB" sz="1000" b="0" i="1" smtClean="0">
                               <a:solidFill>
                                 <a:schemeClr val="tx1"/>
                               </a:solidFill>
                               <a:latin typeface="Cambria Math" panose="02040503050406030204" pitchFamily="18" charset="0"/>
                             </a:rPr>
-                            <m:t>OuT</m:t>
+                            <m:t>SUT</m:t>
                           </m:r>
                         </m:sub>
                       </m:sSub>
@@ -11288,7 +11264,7 @@
             </p:txBody>
           </p:sp>
         </mc:Choice>
-        <mc:Fallback xmlns="">
+        <mc:Fallback>
           <p:sp>
             <p:nvSpPr>
               <p:cNvPr id="216" name="TextBox 215">
@@ -11314,7 +11290,7 @@
               <a:blipFill>
                 <a:blip r:embed="rId10"/>
                 <a:stretch>
-                  <a:fillRect r="-5357"/>
+                  <a:fillRect/>
                 </a:stretch>
               </a:blipFill>
             </p:spPr>
@@ -11421,8 +11397,8 @@
           </a:fontRef>
         </p:style>
       </p:cxnSp>
-      <mc:AlternateContent xmlns:mc="http://schemas.openxmlformats.org/markup-compatibility/2006" xmlns:a14="http://schemas.microsoft.com/office/drawing/2010/main">
-        <mc:Choice Requires="a14">
+      <mc:AlternateContent xmlns:mc="http://schemas.openxmlformats.org/markup-compatibility/2006">
+        <mc:Choice xmlns:a14="http://schemas.microsoft.com/office/drawing/2010/main" Requires="a14">
           <p:sp>
             <p:nvSpPr>
               <p:cNvPr id="231" name="TextBox 230">
@@ -11480,13 +11456,13 @@
                           <m:rPr>
                             <m:sty m:val="p"/>
                           </m:rPr>
-                          <a:rPr lang="en-GB" sz="1000" b="0" i="0" smtClean="0">
+                          <a:rPr lang="en-GB" sz="1000" b="0" i="1" smtClean="0">
                             <a:solidFill>
                               <a:schemeClr val="tx1"/>
                             </a:solidFill>
                             <a:latin typeface="Cambria Math" panose="02040503050406030204" pitchFamily="18" charset="0"/>
                           </a:rPr>
-                          <m:t>OuT</m:t>
+                          <m:t>SUT</m:t>
                         </m:r>
                         <m:r>
                           <a:rPr lang="en-GB" sz="1000" b="0" i="1" smtClean="0">
@@ -11582,7 +11558,7 @@
             </p:txBody>
           </p:sp>
         </mc:Choice>
-        <mc:Fallback xmlns="">
+        <mc:Fallback>
           <p:sp>
             <p:nvSpPr>
               <p:cNvPr id="231" name="TextBox 230">
